--- a/Documents/Lecture outlines/Lecture 4/Lecture 4 Real world data.pptx
+++ b/Documents/Lecture outlines/Lecture 4/Lecture 4 Real world data.pptx
@@ -6,10 +6,11 @@
   </p:sldMasterIdLst>
   <p:sldIdLst>
     <p:sldId id="256" r:id="rId2"/>
-    <p:sldId id="257" r:id="rId3"/>
-    <p:sldId id="258" r:id="rId4"/>
-    <p:sldId id="259" r:id="rId5"/>
-    <p:sldId id="260" r:id="rId6"/>
+    <p:sldId id="261" r:id="rId3"/>
+    <p:sldId id="257" r:id="rId4"/>
+    <p:sldId id="258" r:id="rId5"/>
+    <p:sldId id="259" r:id="rId6"/>
+    <p:sldId id="260" r:id="rId7"/>
   </p:sldIdLst>
   <p:sldSz cx="12192000" cy="6858000"/>
   <p:notesSz cx="6858000" cy="9144000"/>
@@ -265,7 +266,7 @@
           <a:p>
             <a:fld id="{A5657105-C9FE-445F-94B0-9B187814C437}" type="datetimeFigureOut">
               <a:rPr lang="en-GB" smtClean="0"/>
-              <a:t>28/11/2019</a:t>
+              <a:t>02/12/2019</a:t>
             </a:fld>
             <a:endParaRPr lang="en-GB"/>
           </a:p>
@@ -465,7 +466,7 @@
           <a:p>
             <a:fld id="{A5657105-C9FE-445F-94B0-9B187814C437}" type="datetimeFigureOut">
               <a:rPr lang="en-GB" smtClean="0"/>
-              <a:t>28/11/2019</a:t>
+              <a:t>02/12/2019</a:t>
             </a:fld>
             <a:endParaRPr lang="en-GB"/>
           </a:p>
@@ -675,7 +676,7 @@
           <a:p>
             <a:fld id="{A5657105-C9FE-445F-94B0-9B187814C437}" type="datetimeFigureOut">
               <a:rPr lang="en-GB" smtClean="0"/>
-              <a:t>28/11/2019</a:t>
+              <a:t>02/12/2019</a:t>
             </a:fld>
             <a:endParaRPr lang="en-GB"/>
           </a:p>
@@ -875,7 +876,7 @@
           <a:p>
             <a:fld id="{A5657105-C9FE-445F-94B0-9B187814C437}" type="datetimeFigureOut">
               <a:rPr lang="en-GB" smtClean="0"/>
-              <a:t>28/11/2019</a:t>
+              <a:t>02/12/2019</a:t>
             </a:fld>
             <a:endParaRPr lang="en-GB"/>
           </a:p>
@@ -1151,7 +1152,7 @@
           <a:p>
             <a:fld id="{A5657105-C9FE-445F-94B0-9B187814C437}" type="datetimeFigureOut">
               <a:rPr lang="en-GB" smtClean="0"/>
-              <a:t>28/11/2019</a:t>
+              <a:t>02/12/2019</a:t>
             </a:fld>
             <a:endParaRPr lang="en-GB"/>
           </a:p>
@@ -1419,7 +1420,7 @@
           <a:p>
             <a:fld id="{A5657105-C9FE-445F-94B0-9B187814C437}" type="datetimeFigureOut">
               <a:rPr lang="en-GB" smtClean="0"/>
-              <a:t>28/11/2019</a:t>
+              <a:t>02/12/2019</a:t>
             </a:fld>
             <a:endParaRPr lang="en-GB"/>
           </a:p>
@@ -1834,7 +1835,7 @@
           <a:p>
             <a:fld id="{A5657105-C9FE-445F-94B0-9B187814C437}" type="datetimeFigureOut">
               <a:rPr lang="en-GB" smtClean="0"/>
-              <a:t>28/11/2019</a:t>
+              <a:t>02/12/2019</a:t>
             </a:fld>
             <a:endParaRPr lang="en-GB"/>
           </a:p>
@@ -1976,7 +1977,7 @@
           <a:p>
             <a:fld id="{A5657105-C9FE-445F-94B0-9B187814C437}" type="datetimeFigureOut">
               <a:rPr lang="en-GB" smtClean="0"/>
-              <a:t>28/11/2019</a:t>
+              <a:t>02/12/2019</a:t>
             </a:fld>
             <a:endParaRPr lang="en-GB"/>
           </a:p>
@@ -2089,7 +2090,7 @@
           <a:p>
             <a:fld id="{A5657105-C9FE-445F-94B0-9B187814C437}" type="datetimeFigureOut">
               <a:rPr lang="en-GB" smtClean="0"/>
-              <a:t>28/11/2019</a:t>
+              <a:t>02/12/2019</a:t>
             </a:fld>
             <a:endParaRPr lang="en-GB"/>
           </a:p>
@@ -2402,7 +2403,7 @@
           <a:p>
             <a:fld id="{A5657105-C9FE-445F-94B0-9B187814C437}" type="datetimeFigureOut">
               <a:rPr lang="en-GB" smtClean="0"/>
-              <a:t>28/11/2019</a:t>
+              <a:t>02/12/2019</a:t>
             </a:fld>
             <a:endParaRPr lang="en-GB"/>
           </a:p>
@@ -2691,7 +2692,7 @@
           <a:p>
             <a:fld id="{A5657105-C9FE-445F-94B0-9B187814C437}" type="datetimeFigureOut">
               <a:rPr lang="en-GB" smtClean="0"/>
-              <a:t>28/11/2019</a:t>
+              <a:t>02/12/2019</a:t>
             </a:fld>
             <a:endParaRPr lang="en-GB"/>
           </a:p>
@@ -2768,9 +2769,39 @@
 <p:sldMaster xmlns:a="http://schemas.openxmlformats.org/drawingml/2006/main" xmlns:r="http://schemas.openxmlformats.org/officeDocument/2006/relationships" xmlns:p="http://schemas.openxmlformats.org/presentationml/2006/main">
   <p:cSld>
     <p:bg>
-      <p:bgRef idx="1001">
-        <a:schemeClr val="bg1"/>
-      </p:bgRef>
+      <p:bgPr>
+        <a:gradFill flip="none" rotWithShape="1">
+          <a:gsLst>
+            <a:gs pos="0">
+              <a:schemeClr val="accent1">
+                <a:lumMod val="5000"/>
+                <a:lumOff val="95000"/>
+              </a:schemeClr>
+            </a:gs>
+            <a:gs pos="74000">
+              <a:schemeClr val="accent1">
+                <a:lumMod val="45000"/>
+                <a:lumOff val="55000"/>
+              </a:schemeClr>
+            </a:gs>
+            <a:gs pos="83000">
+              <a:schemeClr val="accent1">
+                <a:lumMod val="45000"/>
+                <a:lumOff val="55000"/>
+              </a:schemeClr>
+            </a:gs>
+            <a:gs pos="100000">
+              <a:schemeClr val="accent1">
+                <a:lumMod val="30000"/>
+                <a:lumOff val="70000"/>
+              </a:schemeClr>
+            </a:gs>
+          </a:gsLst>
+          <a:lin ang="5400000" scaled="1"/>
+          <a:tileRect/>
+        </a:gradFill>
+        <a:effectLst/>
+      </p:bgPr>
     </p:bg>
     <p:spTree>
       <p:nvGrpSpPr>
@@ -2934,7 +2965,7 @@
           <a:p>
             <a:fld id="{A5657105-C9FE-445F-94B0-9B187814C437}" type="datetimeFigureOut">
               <a:rPr lang="en-GB" smtClean="0"/>
-              <a:t>28/11/2019</a:t>
+              <a:t>02/12/2019</a:t>
             </a:fld>
             <a:endParaRPr lang="en-GB"/>
           </a:p>
@@ -3402,7 +3433,7 @@
           <a:p>
             <a:r>
               <a:rPr lang="en-GB" dirty="0"/>
-              <a:t>Example scenario</a:t>
+              <a:t>Real world data sources</a:t>
             </a:r>
           </a:p>
         </p:txBody>
@@ -3442,7 +3473,7 @@
           <p:cNvPr id="2" name="Title 1">
             <a:extLst>
               <a:ext uri="{FF2B5EF4-FFF2-40B4-BE49-F238E27FC236}">
-                <a16:creationId xmlns:a16="http://schemas.microsoft.com/office/drawing/2014/main" id="{0577DF9B-06A5-44CD-9B6C-1944E9C8901A}"/>
+                <a16:creationId xmlns:a16="http://schemas.microsoft.com/office/drawing/2014/main" id="{EACCCF6A-A8AB-4C0A-8DA4-73BFC2CC76BD}"/>
               </a:ext>
             </a:extLst>
           </p:cNvPr>
@@ -3460,7 +3491,7 @@
           <a:p>
             <a:r>
               <a:rPr lang="en-GB" dirty="0"/>
-              <a:t>Real world data</a:t>
+              <a:t>Lecture 4 outline</a:t>
             </a:r>
           </a:p>
         </p:txBody>
@@ -3470,7 +3501,7 @@
           <p:cNvPr id="3" name="Content Placeholder 2">
             <a:extLst>
               <a:ext uri="{FF2B5EF4-FFF2-40B4-BE49-F238E27FC236}">
-                <a16:creationId xmlns:a16="http://schemas.microsoft.com/office/drawing/2014/main" id="{0B978D12-471B-43D6-A4C8-DFBCCFEDEB44}"/>
+                <a16:creationId xmlns:a16="http://schemas.microsoft.com/office/drawing/2014/main" id="{FD514FB2-D39D-46F6-9417-3F9D1DF25F4D}"/>
               </a:ext>
             </a:extLst>
           </p:cNvPr>
@@ -3483,64 +3514,47 @@
         </p:nvSpPr>
         <p:spPr/>
         <p:txBody>
-          <a:bodyPr>
-            <a:normAutofit lnSpcReduction="10000"/>
-          </a:bodyPr>
+          <a:bodyPr/>
           <a:lstStyle/>
           <a:p>
             <a:r>
               <a:rPr lang="en-GB" dirty="0"/>
-              <a:t>Pros</a:t>
+              <a:t>The importance of data (~10mins)</a:t>
             </a:r>
           </a:p>
           <a:p>
             <a:r>
               <a:rPr lang="en-GB" dirty="0"/>
-              <a:t>Ecologically valid</a:t>
+              <a:t>Emergencies (~10mins)</a:t>
             </a:r>
           </a:p>
           <a:p>
             <a:r>
               <a:rPr lang="en-GB" dirty="0"/>
-              <a:t>Dense data, can find any number of relationships</a:t>
+              <a:t>Emergency example (~10mins)</a:t>
+            </a:r>
+          </a:p>
+          <a:p>
+            <a:r>
+              <a:rPr lang="en-GB" dirty="0"/>
+              <a:t>Data gathering vs data generating: experiments (~10mins)</a:t>
+            </a:r>
+          </a:p>
+          <a:p>
+            <a:r>
+              <a:rPr lang="en-GB" b="1" dirty="0"/>
+              <a:t>Data gathering vs data generating: real-world sources (~10mins)</a:t>
             </a:r>
           </a:p>
           <a:p>
             <a:endParaRPr lang="en-GB" dirty="0"/>
-          </a:p>
-          <a:p>
-            <a:endParaRPr lang="en-GB" dirty="0"/>
-          </a:p>
-          <a:p>
-            <a:r>
-              <a:rPr lang="en-GB" dirty="0"/>
-              <a:t>Cons</a:t>
-            </a:r>
-          </a:p>
-          <a:p>
-            <a:r>
-              <a:rPr lang="en-GB" dirty="0"/>
-              <a:t>Sensitive</a:t>
-            </a:r>
-          </a:p>
-          <a:p>
-            <a:r>
-              <a:rPr lang="en-GB" dirty="0"/>
-              <a:t>Uncontrolled, often unrepeatable</a:t>
-            </a:r>
-          </a:p>
-          <a:p>
-            <a:r>
-              <a:rPr lang="en-GB" dirty="0"/>
-              <a:t>Difficult to get real relationships</a:t>
-            </a:r>
           </a:p>
         </p:txBody>
       </p:sp>
     </p:spTree>
     <p:extLst>
       <p:ext uri="{BB962C8B-B14F-4D97-AF65-F5344CB8AC3E}">
-        <p14:creationId xmlns:p14="http://schemas.microsoft.com/office/powerpoint/2010/main" val="1783295187"/>
+        <p14:creationId xmlns:p14="http://schemas.microsoft.com/office/powerpoint/2010/main" val="1349485034"/>
       </p:ext>
     </p:extLst>
   </p:cSld>
@@ -3572,7 +3586,7 @@
           <p:cNvPr id="2" name="Title 1">
             <a:extLst>
               <a:ext uri="{FF2B5EF4-FFF2-40B4-BE49-F238E27FC236}">
-                <a16:creationId xmlns:a16="http://schemas.microsoft.com/office/drawing/2014/main" id="{ECE65FB6-9910-4879-8853-5AE461C45EF1}"/>
+                <a16:creationId xmlns:a16="http://schemas.microsoft.com/office/drawing/2014/main" id="{0577DF9B-06A5-44CD-9B6C-1944E9C8901A}"/>
               </a:ext>
             </a:extLst>
           </p:cNvPr>
@@ -3590,7 +3604,7 @@
           <a:p>
             <a:r>
               <a:rPr lang="en-GB" dirty="0"/>
-              <a:t>CCTV</a:t>
+              <a:t>Real world data</a:t>
             </a:r>
           </a:p>
         </p:txBody>
@@ -3600,7 +3614,7 @@
           <p:cNvPr id="3" name="Content Placeholder 2">
             <a:extLst>
               <a:ext uri="{FF2B5EF4-FFF2-40B4-BE49-F238E27FC236}">
-                <a16:creationId xmlns:a16="http://schemas.microsoft.com/office/drawing/2014/main" id="{910D244A-EE04-4883-A46F-1F93DFA9D601}"/>
+                <a16:creationId xmlns:a16="http://schemas.microsoft.com/office/drawing/2014/main" id="{0B978D12-471B-43D6-A4C8-DFBCCFEDEB44}"/>
               </a:ext>
             </a:extLst>
           </p:cNvPr>
@@ -3613,17 +3627,64 @@
         </p:nvSpPr>
         <p:spPr/>
         <p:txBody>
-          <a:bodyPr/>
-          <a:lstStyle/>
-          <a:p>
-            <a:endParaRPr lang="en-GB"/>
+          <a:bodyPr>
+            <a:normAutofit lnSpcReduction="10000"/>
+          </a:bodyPr>
+          <a:lstStyle/>
+          <a:p>
+            <a:r>
+              <a:rPr lang="en-GB" dirty="0"/>
+              <a:t>Pros</a:t>
+            </a:r>
+          </a:p>
+          <a:p>
+            <a:r>
+              <a:rPr lang="en-GB" dirty="0"/>
+              <a:t>Ecologically valid</a:t>
+            </a:r>
+          </a:p>
+          <a:p>
+            <a:r>
+              <a:rPr lang="en-GB" dirty="0"/>
+              <a:t>Dense data, can find any number of relationships</a:t>
+            </a:r>
+          </a:p>
+          <a:p>
+            <a:endParaRPr lang="en-GB" dirty="0"/>
+          </a:p>
+          <a:p>
+            <a:endParaRPr lang="en-GB" dirty="0"/>
+          </a:p>
+          <a:p>
+            <a:r>
+              <a:rPr lang="en-GB" dirty="0"/>
+              <a:t>Cons</a:t>
+            </a:r>
+          </a:p>
+          <a:p>
+            <a:r>
+              <a:rPr lang="en-GB" dirty="0"/>
+              <a:t>Sensitive</a:t>
+            </a:r>
+          </a:p>
+          <a:p>
+            <a:r>
+              <a:rPr lang="en-GB" dirty="0"/>
+              <a:t>Uncontrolled, often unrepeatable</a:t>
+            </a:r>
+          </a:p>
+          <a:p>
+            <a:r>
+              <a:rPr lang="en-GB" dirty="0"/>
+              <a:t>Difficult to get real relationships</a:t>
+            </a:r>
           </a:p>
         </p:txBody>
       </p:sp>
     </p:spTree>
     <p:extLst>
       <p:ext uri="{BB962C8B-B14F-4D97-AF65-F5344CB8AC3E}">
-        <p14:creationId xmlns:p14="http://schemas.microsoft.com/office/powerpoint/2010/main" val="3702909567"/>
+        <p14:creationId xmlns:p14="http://schemas.microsoft.com/office/powerpoint/2010/main" val="1783295187"/>
       </p:ext>
     </p:extLst>
   </p:cSld>
@@ -3655,6 +3716,89 @@
           <p:cNvPr id="2" name="Title 1">
             <a:extLst>
               <a:ext uri="{FF2B5EF4-FFF2-40B4-BE49-F238E27FC236}">
+                <a16:creationId xmlns:a16="http://schemas.microsoft.com/office/drawing/2014/main" id="{ECE65FB6-9910-4879-8853-5AE461C45EF1}"/>
+              </a:ext>
+            </a:extLst>
+          </p:cNvPr>
+          <p:cNvSpPr>
+            <a:spLocks noGrp="1"/>
+          </p:cNvSpPr>
+          <p:nvPr>
+            <p:ph type="title"/>
+          </p:nvPr>
+        </p:nvSpPr>
+        <p:spPr/>
+        <p:txBody>
+          <a:bodyPr/>
+          <a:lstStyle/>
+          <a:p>
+            <a:r>
+              <a:rPr lang="en-GB" dirty="0"/>
+              <a:t>CCTV</a:t>
+            </a:r>
+          </a:p>
+        </p:txBody>
+      </p:sp>
+      <p:sp>
+        <p:nvSpPr>
+          <p:cNvPr id="3" name="Content Placeholder 2">
+            <a:extLst>
+              <a:ext uri="{FF2B5EF4-FFF2-40B4-BE49-F238E27FC236}">
+                <a16:creationId xmlns:a16="http://schemas.microsoft.com/office/drawing/2014/main" id="{910D244A-EE04-4883-A46F-1F93DFA9D601}"/>
+              </a:ext>
+            </a:extLst>
+          </p:cNvPr>
+          <p:cNvSpPr>
+            <a:spLocks noGrp="1"/>
+          </p:cNvSpPr>
+          <p:nvPr>
+            <p:ph idx="1"/>
+          </p:nvPr>
+        </p:nvSpPr>
+        <p:spPr/>
+        <p:txBody>
+          <a:bodyPr/>
+          <a:lstStyle/>
+          <a:p>
+            <a:endParaRPr lang="en-GB"/>
+          </a:p>
+        </p:txBody>
+      </p:sp>
+    </p:spTree>
+    <p:extLst>
+      <p:ext uri="{BB962C8B-B14F-4D97-AF65-F5344CB8AC3E}">
+        <p14:creationId xmlns:p14="http://schemas.microsoft.com/office/powerpoint/2010/main" val="3702909567"/>
+      </p:ext>
+    </p:extLst>
+  </p:cSld>
+  <p:clrMapOvr>
+    <a:masterClrMapping/>
+  </p:clrMapOvr>
+</p:sld>
+</file>
+
+<file path=ppt/slides/slide5.xml><?xml version="1.0" encoding="utf-8"?>
+<p:sld xmlns:a="http://schemas.openxmlformats.org/drawingml/2006/main" xmlns:r="http://schemas.openxmlformats.org/officeDocument/2006/relationships" xmlns:p="http://schemas.openxmlformats.org/presentationml/2006/main">
+  <p:cSld>
+    <p:spTree>
+      <p:nvGrpSpPr>
+        <p:cNvPr id="1" name=""/>
+        <p:cNvGrpSpPr/>
+        <p:nvPr/>
+      </p:nvGrpSpPr>
+      <p:grpSpPr>
+        <a:xfrm>
+          <a:off x="0" y="0"/>
+          <a:ext cx="0" cy="0"/>
+          <a:chOff x="0" y="0"/>
+          <a:chExt cx="0" cy="0"/>
+        </a:xfrm>
+      </p:grpSpPr>
+      <p:sp>
+        <p:nvSpPr>
+          <p:cNvPr id="2" name="Title 1">
+            <a:extLst>
+              <a:ext uri="{FF2B5EF4-FFF2-40B4-BE49-F238E27FC236}">
                 <a16:creationId xmlns:a16="http://schemas.microsoft.com/office/drawing/2014/main" id="{3F1E844A-EE1D-4F5A-9D72-906E9B0053AE}"/>
               </a:ext>
             </a:extLst>
@@ -3731,7 +3875,7 @@
 </p:sld>
 </file>
 
-<file path=ppt/slides/slide5.xml><?xml version="1.0" encoding="utf-8"?>
+<file path=ppt/slides/slide6.xml><?xml version="1.0" encoding="utf-8"?>
 <p:sld xmlns:a="http://schemas.openxmlformats.org/drawingml/2006/main" xmlns:r="http://schemas.openxmlformats.org/officeDocument/2006/relationships" xmlns:p="http://schemas.openxmlformats.org/presentationml/2006/main">
   <p:cSld>
     <p:spTree>
